--- a/tsc.pptx
+++ b/tsc.pptx
@@ -3079,7 +3079,7 @@
                   <a:schemeClr val="tx1"/>
                 </a:solidFill>
               </a:rPr>
-              <a:t>。</a:t>
+              <a:t>和rootDir。</a:t>
             </a:r>
             <a:endParaRPr lang="zh-CN" altLang="en-US">
               <a:solidFill>

--- a/tsc.pptx
+++ b/tsc.pptx
@@ -3309,6 +3309,54 @@
           </a:p>
         </p:txBody>
       </p:sp>
+      <p:pic>
+        <p:nvPicPr>
+          <p:cNvPr id="4" name="图片 3" descr="截屏2021-08-13 上午11.25.23"/>
+          <p:cNvPicPr>
+            <a:picLocks noChangeAspect="1"/>
+          </p:cNvPicPr>
+          <p:nvPr/>
+        </p:nvPicPr>
+        <p:blipFill>
+          <a:blip r:embed="rId1"/>
+          <a:stretch>
+            <a:fillRect/>
+          </a:stretch>
+        </p:blipFill>
+        <p:spPr>
+          <a:xfrm>
+            <a:off x="961390" y="921385"/>
+            <a:ext cx="10058400" cy="4829175"/>
+          </a:xfrm>
+          <a:prstGeom prst="rect">
+            <a:avLst/>
+          </a:prstGeom>
+        </p:spPr>
+      </p:pic>
+      <p:pic>
+        <p:nvPicPr>
+          <p:cNvPr id="5" name="图片 4" descr="截屏2021-08-13 上午11.25.23"/>
+          <p:cNvPicPr>
+            <a:picLocks noChangeAspect="1"/>
+          </p:cNvPicPr>
+          <p:nvPr/>
+        </p:nvPicPr>
+        <p:blipFill>
+          <a:blip r:embed="rId1"/>
+          <a:stretch>
+            <a:fillRect/>
+          </a:stretch>
+        </p:blipFill>
+        <p:spPr>
+          <a:xfrm>
+            <a:off x="1088390" y="1048385"/>
+            <a:ext cx="10058400" cy="4829175"/>
+          </a:xfrm>
+          <a:prstGeom prst="rect">
+            <a:avLst/>
+          </a:prstGeom>
+        </p:spPr>
+      </p:pic>
     </p:spTree>
   </p:cSld>
   <p:clrMapOvr>

--- a/tsc.pptx
+++ b/tsc.pptx
@@ -12,6 +12,7 @@
     <p:sldId id="260" r:id="rId7"/>
     <p:sldId id="261" r:id="rId8"/>
     <p:sldId id="262" r:id="rId9"/>
+    <p:sldId id="263" r:id="rId10"/>
   </p:sldIdLst>
   <p:sldSz cx="12192000" cy="6858000"/>
   <p:notesSz cx="7103745" cy="10234295"/>
@@ -3365,6 +3366,64 @@
 </p:sld>
 </file>
 
+<file path=ppt/slides/slide8.xml><?xml version="1.0" encoding="utf-8"?>
+<p:sld xmlns:a="http://schemas.openxmlformats.org/drawingml/2006/main" xmlns:r="http://schemas.openxmlformats.org/officeDocument/2006/relationships" xmlns:p="http://schemas.openxmlformats.org/presentationml/2006/main">
+  <p:cSld>
+    <p:spTree>
+      <p:nvGrpSpPr>
+        <p:cNvPr id="1" name=""/>
+        <p:cNvGrpSpPr/>
+        <p:nvPr/>
+      </p:nvGrpSpPr>
+      <p:grpSpPr/>
+      <p:sp>
+        <p:nvSpPr>
+          <p:cNvPr id="2" name="标题 1"/>
+          <p:cNvSpPr>
+            <a:spLocks noGrp="1"/>
+          </p:cNvSpPr>
+          <p:nvPr>
+            <p:ph type="ctrTitle"/>
+          </p:nvPr>
+        </p:nvSpPr>
+        <p:spPr/>
+        <p:txBody>
+          <a:bodyPr/>
+          <a:p>
+            <a:r>
+              <a:rPr lang="zh-CN" altLang="en-US"/>
+              <a:t>谢谢</a:t>
+            </a:r>
+            <a:endParaRPr lang="zh-CN" altLang="en-US"/>
+          </a:p>
+        </p:txBody>
+      </p:sp>
+      <p:sp>
+        <p:nvSpPr>
+          <p:cNvPr id="3" name="副标题 2"/>
+          <p:cNvSpPr>
+            <a:spLocks noGrp="1"/>
+          </p:cNvSpPr>
+          <p:nvPr>
+            <p:ph type="subTitle" idx="1"/>
+          </p:nvPr>
+        </p:nvSpPr>
+        <p:spPr/>
+        <p:txBody>
+          <a:bodyPr/>
+          <a:p>
+            <a:endParaRPr lang="zh-CN" altLang="en-US"/>
+          </a:p>
+        </p:txBody>
+      </p:sp>
+    </p:spTree>
+  </p:cSld>
+  <p:clrMapOvr>
+    <a:masterClrMapping/>
+  </p:clrMapOvr>
+</p:sld>
+</file>
+
 <file path=ppt/theme/theme1.xml><?xml version="1.0" encoding="utf-8"?>
 <a:theme xmlns:a="http://schemas.openxmlformats.org/drawingml/2006/main" name="Office 主题">
   <a:themeElements>
